--- a/assets/document/1. 단국대학교 Groupware Portal System 기술구성도.pptx
+++ b/assets/document/1. 단국대학교 Groupware Portal System 기술구성도.pptx
@@ -104,6 +104,11 @@
       </a:defRPr>
     </a:lvl9pPr>
   </p:defaultTextStyle>
+  <p:extLst>
+    <p:ext uri="{EFAFB233-063F-42B5-8137-9DF3F51BA10A}">
+      <p15:sldGuideLst xmlns:p15="http://schemas.microsoft.com/office/powerpoint/2012/main"/>
+    </p:ext>
+  </p:extLst>
 </p:presentation>
 </file>
 
@@ -1242,8 +1247,8 @@
     <dgm:cxn modelId="{88C79958-D3F4-4A4D-9F22-D4041B002B92}" type="presOf" srcId="{510A9B71-3A72-402F-94C6-10AE8883657C}" destId="{0D64DB4E-0B90-4D14-BA8A-1C80ABAE8525}" srcOrd="0" destOrd="0" presId="urn:microsoft.com/office/officeart/2005/8/layout/radial5"/>
     <dgm:cxn modelId="{C8C0CF31-6D48-4712-B6E5-09DA0ED5CBA4}" type="presOf" srcId="{A4B7DA2B-90BC-4B91-9C64-6DC83BA7F251}" destId="{CF983544-BF08-4A76-A692-3176790F76CF}" srcOrd="0" destOrd="0" presId="urn:microsoft.com/office/officeart/2005/8/layout/radial5"/>
     <dgm:cxn modelId="{881BE878-7587-49F6-B5E1-F1FB756A9A88}" srcId="{E1573214-C01E-4539-8971-206A5B3AEA25}" destId="{4B74CE38-8172-4C15-8981-D8F80B0EFCD3}" srcOrd="0" destOrd="0" parTransId="{83EBF2DA-EA0D-46F1-81CB-BD674173CC53}" sibTransId="{A86ECB64-3AD0-4344-A69A-60D7DD8DF7B3}"/>
+    <dgm:cxn modelId="{7B249143-E863-464E-A9AC-BBDD8BF991C0}" type="presOf" srcId="{7D31B14A-DD6C-4067-8B2F-0DD791DE5529}" destId="{CBD3E74B-D8FB-4A47-962C-E1B9103F7B94}" srcOrd="0" destOrd="0" presId="urn:microsoft.com/office/officeart/2005/8/layout/radial5"/>
     <dgm:cxn modelId="{A4C58AFD-0DE0-4A07-9598-DD7399BF30A7}" srcId="{E1573214-C01E-4539-8971-206A5B3AEA25}" destId="{510A9B71-3A72-402F-94C6-10AE8883657C}" srcOrd="1" destOrd="0" parTransId="{DADD59E9-70E2-4BD8-A02C-4B6654D27F08}" sibTransId="{F383B726-7495-4D7B-9CD4-E4D93727C809}"/>
-    <dgm:cxn modelId="{7B249143-E863-464E-A9AC-BBDD8BF991C0}" type="presOf" srcId="{7D31B14A-DD6C-4067-8B2F-0DD791DE5529}" destId="{CBD3E74B-D8FB-4A47-962C-E1B9103F7B94}" srcOrd="0" destOrd="0" presId="urn:microsoft.com/office/officeart/2005/8/layout/radial5"/>
     <dgm:cxn modelId="{0999F17F-8F01-47C4-B32A-5AC1CEEF279D}" type="presOf" srcId="{83EBF2DA-EA0D-46F1-81CB-BD674173CC53}" destId="{28AE7221-540F-41C7-AC26-97F4B5F97CB8}" srcOrd="1" destOrd="0" presId="urn:microsoft.com/office/officeart/2005/8/layout/radial5"/>
     <dgm:cxn modelId="{99275635-EA79-44F8-B758-C08FBF0AFD09}" type="presOf" srcId="{E1573214-C01E-4539-8971-206A5B3AEA25}" destId="{04A93FDE-9018-4BD5-929D-14D473261E62}" srcOrd="0" destOrd="0" presId="urn:microsoft.com/office/officeart/2005/8/layout/radial5"/>
     <dgm:cxn modelId="{D6C741A3-D503-4E44-BA94-6D81FBD7FED3}" type="presOf" srcId="{7D31B14A-DD6C-4067-8B2F-0DD791DE5529}" destId="{9F622C05-0778-445F-8A44-ACBE72421E28}" srcOrd="1" destOrd="0" presId="urn:microsoft.com/office/officeart/2005/8/layout/radial5"/>
@@ -3295,7 +3300,6 @@
               <a:rPr lang="ko-KR" altLang="en-US"/>
               <a:t>마스터 제목 스타일 편집</a:t>
             </a:r>
-            <a:endParaRPr lang="ko-KR" altLang="en-US"/>
           </a:p>
         </p:txBody>
       </p:sp>
@@ -3360,7 +3364,6 @@
               <a:rPr lang="ko-KR" altLang="en-US"/>
               <a:t>클릭하여 마스터 부제목 스타일 편집</a:t>
             </a:r>
-            <a:endParaRPr lang="ko-KR" altLang="en-US"/>
           </a:p>
         </p:txBody>
       </p:sp>
@@ -3381,7 +3384,7 @@
           <a:p>
             <a:fld id="{3CF751FE-7217-4038-A7C5-5FD369EADD8B}" type="datetimeFigureOut">
               <a:rPr lang="ko-KR" altLang="en-US" smtClean="0"/>
-              <a:t>2016-09-26</a:t>
+              <a:t>2016-10-11</a:t>
             </a:fld>
             <a:endParaRPr lang="ko-KR" altLang="en-US"/>
           </a:p>
@@ -3478,7 +3481,6 @@
               <a:rPr lang="ko-KR" altLang="en-US"/>
               <a:t>마스터 제목 스타일 편집</a:t>
             </a:r>
-            <a:endParaRPr lang="ko-KR" altLang="en-US"/>
           </a:p>
         </p:txBody>
       </p:sp>
@@ -3530,7 +3532,6 @@
               <a:rPr lang="ko-KR" altLang="en-US"/>
               <a:t>다섯째 수준</a:t>
             </a:r>
-            <a:endParaRPr lang="ko-KR" altLang="en-US"/>
           </a:p>
         </p:txBody>
       </p:sp>
@@ -3551,7 +3552,7 @@
           <a:p>
             <a:fld id="{3CF751FE-7217-4038-A7C5-5FD369EADD8B}" type="datetimeFigureOut">
               <a:rPr lang="ko-KR" altLang="en-US" smtClean="0"/>
-              <a:t>2016-09-26</a:t>
+              <a:t>2016-10-11</a:t>
             </a:fld>
             <a:endParaRPr lang="ko-KR" altLang="en-US"/>
           </a:p>
@@ -3653,7 +3654,6 @@
               <a:rPr lang="ko-KR" altLang="en-US"/>
               <a:t>마스터 제목 스타일 편집</a:t>
             </a:r>
-            <a:endParaRPr lang="ko-KR" altLang="en-US"/>
           </a:p>
         </p:txBody>
       </p:sp>
@@ -3710,7 +3710,6 @@
               <a:rPr lang="ko-KR" altLang="en-US"/>
               <a:t>다섯째 수준</a:t>
             </a:r>
-            <a:endParaRPr lang="ko-KR" altLang="en-US"/>
           </a:p>
         </p:txBody>
       </p:sp>
@@ -3731,7 +3730,7 @@
           <a:p>
             <a:fld id="{3CF751FE-7217-4038-A7C5-5FD369EADD8B}" type="datetimeFigureOut">
               <a:rPr lang="ko-KR" altLang="en-US" smtClean="0"/>
-              <a:t>2016-09-26</a:t>
+              <a:t>2016-10-11</a:t>
             </a:fld>
             <a:endParaRPr lang="ko-KR" altLang="en-US"/>
           </a:p>
@@ -3828,7 +3827,6 @@
               <a:rPr lang="ko-KR" altLang="en-US"/>
               <a:t>마스터 제목 스타일 편집</a:t>
             </a:r>
-            <a:endParaRPr lang="ko-KR" altLang="en-US"/>
           </a:p>
         </p:txBody>
       </p:sp>
@@ -3880,7 +3878,6 @@
               <a:rPr lang="ko-KR" altLang="en-US"/>
               <a:t>다섯째 수준</a:t>
             </a:r>
-            <a:endParaRPr lang="ko-KR" altLang="en-US"/>
           </a:p>
         </p:txBody>
       </p:sp>
@@ -3901,7 +3898,7 @@
           <a:p>
             <a:fld id="{3CF751FE-7217-4038-A7C5-5FD369EADD8B}" type="datetimeFigureOut">
               <a:rPr lang="ko-KR" altLang="en-US" smtClean="0"/>
-              <a:t>2016-09-26</a:t>
+              <a:t>2016-10-11</a:t>
             </a:fld>
             <a:endParaRPr lang="ko-KR" altLang="en-US"/>
           </a:p>
@@ -4007,7 +4004,6 @@
               <a:rPr lang="ko-KR" altLang="en-US"/>
               <a:t>마스터 제목 스타일 편집</a:t>
             </a:r>
-            <a:endParaRPr lang="ko-KR" altLang="en-US"/>
           </a:p>
         </p:txBody>
       </p:sp>
@@ -4147,7 +4143,7 @@
           <a:p>
             <a:fld id="{3CF751FE-7217-4038-A7C5-5FD369EADD8B}" type="datetimeFigureOut">
               <a:rPr lang="ko-KR" altLang="en-US" smtClean="0"/>
-              <a:t>2016-09-26</a:t>
+              <a:t>2016-10-11</a:t>
             </a:fld>
             <a:endParaRPr lang="ko-KR" altLang="en-US"/>
           </a:p>
@@ -4244,7 +4240,6 @@
               <a:rPr lang="ko-KR" altLang="en-US"/>
               <a:t>마스터 제목 스타일 편집</a:t>
             </a:r>
-            <a:endParaRPr lang="ko-KR" altLang="en-US"/>
           </a:p>
         </p:txBody>
       </p:sp>
@@ -4301,7 +4296,6 @@
               <a:rPr lang="ko-KR" altLang="en-US"/>
               <a:t>다섯째 수준</a:t>
             </a:r>
-            <a:endParaRPr lang="ko-KR" altLang="en-US"/>
           </a:p>
         </p:txBody>
       </p:sp>
@@ -4358,7 +4352,6 @@
               <a:rPr lang="ko-KR" altLang="en-US"/>
               <a:t>다섯째 수준</a:t>
             </a:r>
-            <a:endParaRPr lang="ko-KR" altLang="en-US"/>
           </a:p>
         </p:txBody>
       </p:sp>
@@ -4379,7 +4372,7 @@
           <a:p>
             <a:fld id="{3CF751FE-7217-4038-A7C5-5FD369EADD8B}" type="datetimeFigureOut">
               <a:rPr lang="ko-KR" altLang="en-US" smtClean="0"/>
-              <a:t>2016-09-26</a:t>
+              <a:t>2016-10-11</a:t>
             </a:fld>
             <a:endParaRPr lang="ko-KR" altLang="en-US"/>
           </a:p>
@@ -4481,7 +4474,6 @@
               <a:rPr lang="ko-KR" altLang="en-US"/>
               <a:t>마스터 제목 스타일 편집</a:t>
             </a:r>
-            <a:endParaRPr lang="ko-KR" altLang="en-US"/>
           </a:p>
         </p:txBody>
       </p:sp>
@@ -4603,7 +4595,6 @@
               <a:rPr lang="ko-KR" altLang="en-US"/>
               <a:t>다섯째 수준</a:t>
             </a:r>
-            <a:endParaRPr lang="ko-KR" altLang="en-US"/>
           </a:p>
         </p:txBody>
       </p:sp>
@@ -4725,7 +4716,6 @@
               <a:rPr lang="ko-KR" altLang="en-US"/>
               <a:t>다섯째 수준</a:t>
             </a:r>
-            <a:endParaRPr lang="ko-KR" altLang="en-US"/>
           </a:p>
         </p:txBody>
       </p:sp>
@@ -4746,7 +4736,7 @@
           <a:p>
             <a:fld id="{3CF751FE-7217-4038-A7C5-5FD369EADD8B}" type="datetimeFigureOut">
               <a:rPr lang="ko-KR" altLang="en-US" smtClean="0"/>
-              <a:t>2016-09-26</a:t>
+              <a:t>2016-10-11</a:t>
             </a:fld>
             <a:endParaRPr lang="ko-KR" altLang="en-US"/>
           </a:p>
@@ -4843,7 +4833,6 @@
               <a:rPr lang="ko-KR" altLang="en-US"/>
               <a:t>마스터 제목 스타일 편집</a:t>
             </a:r>
-            <a:endParaRPr lang="ko-KR" altLang="en-US"/>
           </a:p>
         </p:txBody>
       </p:sp>
@@ -4864,7 +4853,7 @@
           <a:p>
             <a:fld id="{3CF751FE-7217-4038-A7C5-5FD369EADD8B}" type="datetimeFigureOut">
               <a:rPr lang="ko-KR" altLang="en-US" smtClean="0"/>
-              <a:t>2016-09-26</a:t>
+              <a:t>2016-10-11</a:t>
             </a:fld>
             <a:endParaRPr lang="ko-KR" altLang="en-US"/>
           </a:p>
@@ -4959,7 +4948,7 @@
           <a:p>
             <a:fld id="{3CF751FE-7217-4038-A7C5-5FD369EADD8B}" type="datetimeFigureOut">
               <a:rPr lang="ko-KR" altLang="en-US" smtClean="0"/>
-              <a:t>2016-09-26</a:t>
+              <a:t>2016-10-11</a:t>
             </a:fld>
             <a:endParaRPr lang="ko-KR" altLang="en-US"/>
           </a:p>
@@ -5065,7 +5054,6 @@
               <a:rPr lang="ko-KR" altLang="en-US"/>
               <a:t>마스터 제목 스타일 편집</a:t>
             </a:r>
-            <a:endParaRPr lang="ko-KR" altLang="en-US"/>
           </a:p>
         </p:txBody>
       </p:sp>
@@ -5150,7 +5138,6 @@
               <a:rPr lang="ko-KR" altLang="en-US"/>
               <a:t>다섯째 수준</a:t>
             </a:r>
-            <a:endParaRPr lang="ko-KR" altLang="en-US"/>
           </a:p>
         </p:txBody>
       </p:sp>
@@ -5236,7 +5223,7 @@
           <a:p>
             <a:fld id="{3CF751FE-7217-4038-A7C5-5FD369EADD8B}" type="datetimeFigureOut">
               <a:rPr lang="ko-KR" altLang="en-US" smtClean="0"/>
-              <a:t>2016-09-26</a:t>
+              <a:t>2016-10-11</a:t>
             </a:fld>
             <a:endParaRPr lang="ko-KR" altLang="en-US"/>
           </a:p>
@@ -5342,7 +5329,6 @@
               <a:rPr lang="ko-KR" altLang="en-US"/>
               <a:t>마스터 제목 스타일 편집</a:t>
             </a:r>
-            <a:endParaRPr lang="ko-KR" altLang="en-US"/>
           </a:p>
         </p:txBody>
       </p:sp>
@@ -5489,7 +5475,7 @@
           <a:p>
             <a:fld id="{3CF751FE-7217-4038-A7C5-5FD369EADD8B}" type="datetimeFigureOut">
               <a:rPr lang="ko-KR" altLang="en-US" smtClean="0"/>
-              <a:t>2016-09-26</a:t>
+              <a:t>2016-10-11</a:t>
             </a:fld>
             <a:endParaRPr lang="ko-KR" altLang="en-US"/>
           </a:p>
@@ -5601,7 +5587,6 @@
               <a:rPr lang="ko-KR" altLang="en-US"/>
               <a:t>마스터 제목 스타일 편집</a:t>
             </a:r>
-            <a:endParaRPr lang="ko-KR" altLang="en-US"/>
           </a:p>
         </p:txBody>
       </p:sp>
@@ -5663,7 +5648,6 @@
               <a:rPr lang="ko-KR" altLang="en-US"/>
               <a:t>다섯째 수준</a:t>
             </a:r>
-            <a:endParaRPr lang="ko-KR" altLang="en-US"/>
           </a:p>
         </p:txBody>
       </p:sp>
@@ -5702,7 +5686,7 @@
           <a:p>
             <a:fld id="{3CF751FE-7217-4038-A7C5-5FD369EADD8B}" type="datetimeFigureOut">
               <a:rPr lang="ko-KR" altLang="en-US" smtClean="0"/>
-              <a:t>2016-09-26</a:t>
+              <a:t>2016-10-11</a:t>
             </a:fld>
             <a:endParaRPr lang="ko-KR" altLang="en-US"/>
           </a:p>
@@ -6413,7 +6397,7 @@
         <p:spPr>
           <a:xfrm>
             <a:off x="4136241" y="4154306"/>
-            <a:ext cx="2344071" cy="830997"/>
+            <a:ext cx="3243152" cy="646331"/>
           </a:xfrm>
           <a:prstGeom prst="rect">
             <a:avLst/>
@@ -6437,14 +6421,18 @@
                   </a:schemeClr>
                 </a:solidFill>
               </a:rPr>
-              <a:t>DB Linked Server</a:t>
-            </a:r>
-          </a:p>
-          <a:p>
-            <a:pPr marL="171450" indent="-171450">
-              <a:buFontTx/>
-              <a:buChar char="-"/>
-            </a:pPr>
+              <a:t>DB</a:t>
+            </a:r>
+            <a:r>
+              <a:rPr lang="ko-KR" altLang="en-US" sz="1200" b="1" dirty="0">
+                <a:solidFill>
+                  <a:schemeClr val="accent6">
+                    <a:lumMod val="75000"/>
+                  </a:schemeClr>
+                </a:solidFill>
+              </a:rPr>
+              <a:t>통신 </a:t>
+            </a:r>
             <a:r>
               <a:rPr lang="en-US" altLang="ko-KR" sz="1200" b="1" dirty="0">
                 <a:solidFill>
@@ -6453,7 +6441,7 @@
                   </a:schemeClr>
                 </a:solidFill>
               </a:rPr>
-              <a:t>.NET AD, Exchange API</a:t>
+              <a:t>(Linked Server).</a:t>
             </a:r>
           </a:p>
           <a:p>
@@ -6461,6 +6449,16 @@
               <a:buFontTx/>
               <a:buChar char="-"/>
             </a:pPr>
+            <a:r>
+              <a:rPr lang="en-US" altLang="ko-KR" sz="1200" b="1" dirty="0">
+                <a:solidFill>
+                  <a:schemeClr val="accent6">
+                    <a:lumMod val="75000"/>
+                  </a:schemeClr>
+                </a:solidFill>
+              </a:rPr>
+              <a:t>.NET AD, Exchange API </a:t>
+            </a:r>
             <a:r>
               <a:rPr lang="ko-KR" altLang="en-US" sz="1200" b="1" dirty="0">
                 <a:solidFill>
@@ -6469,7 +6467,43 @@
                   </a:schemeClr>
                 </a:solidFill>
               </a:rPr>
-              <a:t>작업 스케쥴 이용</a:t>
+              <a:t>사용자 연동</a:t>
+            </a:r>
+            <a:r>
+              <a:rPr lang="en-US" altLang="ko-KR" sz="1200" b="1" dirty="0">
+                <a:solidFill>
+                  <a:schemeClr val="accent6">
+                    <a:lumMod val="75000"/>
+                  </a:schemeClr>
+                </a:solidFill>
+              </a:rPr>
+              <a:t>.</a:t>
+            </a:r>
+          </a:p>
+          <a:p>
+            <a:pPr marL="171450" indent="-171450">
+              <a:buFontTx/>
+              <a:buChar char="-"/>
+            </a:pPr>
+            <a:r>
+              <a:rPr lang="en-US" altLang="ko-KR" sz="1200" b="1" dirty="0">
+                <a:solidFill>
+                  <a:schemeClr val="accent6">
+                    <a:lumMod val="75000"/>
+                  </a:schemeClr>
+                </a:solidFill>
+              </a:rPr>
+              <a:t>Windows </a:t>
+            </a:r>
+            <a:r>
+              <a:rPr lang="ko-KR" altLang="en-US" sz="1200" b="1" dirty="0">
+                <a:solidFill>
+                  <a:schemeClr val="accent6">
+                    <a:lumMod val="75000"/>
+                  </a:schemeClr>
+                </a:solidFill>
+              </a:rPr>
+              <a:t>스케쥴</a:t>
             </a:r>
             <a:r>
               <a:rPr lang="en-US" altLang="ko-KR" sz="1200" b="1" dirty="0">
@@ -6491,28 +6525,15 @@
               </a:rPr>
               <a:t>일 배치</a:t>
             </a:r>
-            <a:endParaRPr lang="en-US" altLang="ko-KR" sz="1200" b="1" dirty="0">
-              <a:solidFill>
-                <a:schemeClr val="accent6">
-                  <a:lumMod val="75000"/>
-                </a:schemeClr>
-              </a:solidFill>
-            </a:endParaRPr>
-          </a:p>
-          <a:p>
-            <a:pPr marL="171450" indent="-171450">
-              <a:buFontTx/>
-              <a:buChar char="-"/>
-            </a:pPr>
-            <a:r>
-              <a:rPr lang="ko-KR" altLang="en-US" sz="1200" b="1" dirty="0">
+            <a:r>
+              <a:rPr lang="en-US" altLang="ko-KR" sz="1200" b="1" dirty="0">
                 <a:solidFill>
                   <a:schemeClr val="accent6">
                     <a:lumMod val="75000"/>
                   </a:schemeClr>
                 </a:solidFill>
               </a:rPr>
-              <a:t>조직도정보 연동</a:t>
+              <a:t>.</a:t>
             </a:r>
           </a:p>
         </p:txBody>
@@ -6760,8 +6781,8 @@
         </p:nvSpPr>
         <p:spPr>
           <a:xfrm>
-            <a:off x="8579730" y="4490998"/>
-            <a:ext cx="1976781" cy="461665"/>
+            <a:off x="8804818" y="4434726"/>
+            <a:ext cx="2526782" cy="461665"/>
           </a:xfrm>
           <a:prstGeom prst="rect">
             <a:avLst/>
@@ -6778,20 +6799,12 @@
               <a:buChar char="-"/>
             </a:pPr>
             <a:r>
-              <a:rPr lang="ko-KR" altLang="en-US" sz="1200" b="1" dirty="0">
-                <a:solidFill>
-                  <a:srgbClr val="00B050"/>
-                </a:solidFill>
-              </a:rPr>
-              <a:t>소켓통신</a:t>
-            </a:r>
-            <a:r>
               <a:rPr lang="en-US" altLang="ko-KR" sz="1200" b="1" dirty="0">
                 <a:solidFill>
                   <a:srgbClr val="00B050"/>
                 </a:solidFill>
               </a:rPr>
-              <a:t>, Web Service</a:t>
+              <a:t>Socket, Web Service (SOAP)</a:t>
             </a:r>
           </a:p>
           <a:p>
@@ -6895,7 +6908,7 @@
         <p:spPr>
           <a:xfrm>
             <a:off x="9053260" y="848751"/>
-            <a:ext cx="2237592" cy="646331"/>
+            <a:ext cx="2237592" cy="461665"/>
           </a:xfrm>
           <a:prstGeom prst="rect">
             <a:avLst/>
@@ -6912,29 +6925,6 @@
               <a:buChar char="-"/>
             </a:pPr>
             <a:r>
-              <a:rPr lang="ko-KR" altLang="en-US" sz="1200" b="1" dirty="0">
-                <a:solidFill>
-                  <a:schemeClr val="accent1">
-                    <a:lumMod val="75000"/>
-                  </a:schemeClr>
-                </a:solidFill>
-              </a:rPr>
-              <a:t>정부 전자 프레임워크준수</a:t>
-            </a:r>
-            <a:endParaRPr lang="en-US" altLang="ko-KR" sz="1200" b="1" dirty="0">
-              <a:solidFill>
-                <a:schemeClr val="accent1">
-                  <a:lumMod val="75000"/>
-                </a:schemeClr>
-              </a:solidFill>
-            </a:endParaRPr>
-          </a:p>
-          <a:p>
-            <a:pPr marL="171450" indent="-171450">
-              <a:buFontTx/>
-              <a:buChar char="-"/>
-            </a:pPr>
-            <a:r>
               <a:rPr lang="en-US" altLang="ko-KR" sz="1200" b="1" dirty="0">
                 <a:solidFill>
                   <a:schemeClr val="accent1">
@@ -6952,7 +6942,7 @@
                   </a:schemeClr>
                 </a:solidFill>
               </a:rPr>
-              <a:t>라이브러리이용</a:t>
+              <a:t>라이브러리 이용</a:t>
             </a:r>
             <a:r>
               <a:rPr lang="en-US" altLang="ko-KR" sz="1200" b="1" dirty="0">
@@ -7020,13 +7010,16 @@
               </a:rPr>
               <a:t>송수신</a:t>
             </a:r>
-            <a:endParaRPr lang="en-US" altLang="ko-KR" sz="1200" b="1" dirty="0">
-              <a:solidFill>
-                <a:schemeClr val="accent1">
-                  <a:lumMod val="75000"/>
-                </a:schemeClr>
-              </a:solidFill>
-            </a:endParaRPr>
+            <a:r>
+              <a:rPr lang="en-US" altLang="ko-KR" sz="1200" b="1" dirty="0">
+                <a:solidFill>
+                  <a:schemeClr val="accent1">
+                    <a:lumMod val="75000"/>
+                  </a:schemeClr>
+                </a:solidFill>
+              </a:rPr>
+              <a:t>.</a:t>
+            </a:r>
           </a:p>
         </p:txBody>
       </p:sp>
@@ -7075,8 +7068,8 @@
         </p:nvSpPr>
         <p:spPr>
           <a:xfrm>
-            <a:off x="9373002" y="2071212"/>
-            <a:ext cx="2134033" cy="461665"/>
+            <a:off x="9058008" y="1932712"/>
+            <a:ext cx="2364958" cy="461665"/>
           </a:xfrm>
           <a:prstGeom prst="rect">
             <a:avLst/>
@@ -7098,37 +7091,21 @@
                   <a:srgbClr val="28BCB8"/>
                 </a:solidFill>
               </a:rPr>
-              <a:t>Web Service </a:t>
-            </a:r>
+              <a:t>Web Service (SOAP).</a:t>
+            </a:r>
+          </a:p>
+          <a:p>
+            <a:pPr marL="171450" indent="-171450">
+              <a:buFontTx/>
+              <a:buChar char="-"/>
+            </a:pPr>
             <a:r>
               <a:rPr lang="ko-KR" altLang="en-US" sz="1200" b="1" dirty="0">
                 <a:solidFill>
                   <a:srgbClr val="28BCB8"/>
                 </a:solidFill>
               </a:rPr>
-              <a:t>이용</a:t>
-            </a:r>
-            <a:r>
-              <a:rPr lang="en-US" altLang="ko-KR" sz="1200" b="1" dirty="0">
-                <a:solidFill>
-                  <a:srgbClr val="28BCB8"/>
-                </a:solidFill>
-              </a:rPr>
-              <a:t>.</a:t>
-            </a:r>
-          </a:p>
-          <a:p>
-            <a:pPr marL="171450" indent="-171450">
-              <a:buFontTx/>
-              <a:buChar char="-"/>
-            </a:pPr>
-            <a:r>
-              <a:rPr lang="ko-KR" altLang="en-US" sz="1200" b="1" dirty="0">
-                <a:solidFill>
-                  <a:srgbClr val="28BCB8"/>
-                </a:solidFill>
-              </a:rPr>
-              <a:t>모바일 결재 시 연동</a:t>
+              <a:t>모바일 결재 시 데이터 연동</a:t>
             </a:r>
             <a:r>
               <a:rPr lang="en-US" altLang="ko-KR" sz="1200" b="1" dirty="0">
@@ -7150,7 +7127,7 @@
         <p:spPr>
           <a:xfrm>
             <a:off x="318052" y="904645"/>
-            <a:ext cx="5264583" cy="1077218"/>
+            <a:ext cx="3531736" cy="1077218"/>
           </a:xfrm>
           <a:prstGeom prst="rect">
             <a:avLst/>
@@ -7163,21 +7140,12 @@
           </a:bodyPr>
           <a:lstStyle/>
           <a:p>
-            <a:r>
-              <a:rPr lang="en-US" altLang="ko-KR" sz="1600" dirty="0"/>
-              <a:t>1. </a:t>
-            </a:r>
+            <a:pPr marL="342900" indent="-342900">
+              <a:buAutoNum type="arabicPeriod"/>
+            </a:pPr>
             <a:r>
               <a:rPr lang="ko-KR" altLang="en-US" sz="1600" dirty="0"/>
-              <a:t>인사</a:t>
-            </a:r>
-            <a:r>
-              <a:rPr lang="en-US" altLang="ko-KR" sz="1600" dirty="0"/>
-              <a:t>DB</a:t>
-            </a:r>
-            <a:r>
-              <a:rPr lang="ko-KR" altLang="en-US" sz="1600" dirty="0"/>
-              <a:t>와 그룹웨어 조직도 간 인사연동 스케쥴 개발</a:t>
+              <a:t>인사연동 시스템 개발</a:t>
             </a:r>
             <a:r>
               <a:rPr lang="en-US" altLang="ko-KR" sz="1600" dirty="0"/>
@@ -7185,35 +7153,42 @@
             </a:r>
           </a:p>
           <a:p>
+            <a:pPr marL="342900" indent="-342900">
+              <a:buAutoNum type="arabicPeriod"/>
+            </a:pPr>
+            <a:r>
+              <a:rPr lang="ko-KR" altLang="en-US" sz="1600" dirty="0"/>
+              <a:t>전자결재 시스템 커스터마이징</a:t>
+            </a:r>
             <a:r>
               <a:rPr lang="en-US" altLang="ko-KR" sz="1600" dirty="0"/>
-              <a:t>2. </a:t>
-            </a:r>
-            <a:r>
-              <a:rPr lang="ko-KR" altLang="en-US" sz="1600" dirty="0"/>
-              <a:t>전자결재 시스템의 기능 개발</a:t>
-            </a:r>
-            <a:endParaRPr lang="en-US" altLang="ko-KR" sz="1600" dirty="0"/>
-          </a:p>
-          <a:p>
-            <a:r>
-              <a:rPr lang="en-US" altLang="ko-KR" sz="1600" dirty="0"/>
-              <a:t>3. </a:t>
-            </a:r>
+              <a:t>.</a:t>
+            </a:r>
+          </a:p>
+          <a:p>
+            <a:pPr marL="342900" indent="-342900">
+              <a:buAutoNum type="arabicPeriod"/>
+            </a:pPr>
             <a:r>
               <a:rPr lang="ko-KR" altLang="en-US" sz="1600" dirty="0"/>
               <a:t>모바일 연동결재 기능 개발</a:t>
             </a:r>
-            <a:endParaRPr lang="en-US" altLang="ko-KR" sz="1600" dirty="0"/>
-          </a:p>
-          <a:p>
             <a:r>
               <a:rPr lang="en-US" altLang="ko-KR" sz="1600" dirty="0"/>
-              <a:t>4. </a:t>
-            </a:r>
+              <a:t>.</a:t>
+            </a:r>
+          </a:p>
+          <a:p>
+            <a:pPr marL="342900" indent="-342900">
+              <a:buAutoNum type="arabicPeriod"/>
+            </a:pPr>
             <a:r>
               <a:rPr lang="ko-KR" altLang="en-US" sz="1600" dirty="0"/>
-              <a:t>자원관리 시스템 간 데이터 통신기능 개발</a:t>
+              <a:t>자원관리 시스템 간 데이터 통신</a:t>
+            </a:r>
+            <a:r>
+              <a:rPr lang="en-US" altLang="ko-KR" sz="1600" dirty="0"/>
+              <a:t>.</a:t>
             </a:r>
           </a:p>
         </p:txBody>
